--- a/Presentations/Azure.pptx
+++ b/Presentations/Azure.pptx
@@ -272,7 +272,7 @@
           <a:p>
             <a:fld id="{205C001E-9790-4C42-A9D7-1F1ABD7FEE09}" type="datetimeFigureOut">
               <a:rPr lang="en-IN" smtClean="0"/>
-              <a:t>23-08-2019</a:t>
+              <a:t>11-11-2019</a:t>
             </a:fld>
             <a:endParaRPr lang="en-IN"/>
           </a:p>
@@ -885,7 +885,7 @@
           <a:p>
             <a:fld id="{51C3D46B-08F1-44F2-8B38-D916BA5C2161}" type="datetimeFigureOut">
               <a:rPr lang="en-IN" smtClean="0"/>
-              <a:t>23-08-2019</a:t>
+              <a:t>11-11-2019</a:t>
             </a:fld>
             <a:endParaRPr lang="en-IN"/>
           </a:p>
@@ -1085,7 +1085,7 @@
           <a:p>
             <a:fld id="{51C3D46B-08F1-44F2-8B38-D916BA5C2161}" type="datetimeFigureOut">
               <a:rPr lang="en-IN" smtClean="0"/>
-              <a:t>23-08-2019</a:t>
+              <a:t>11-11-2019</a:t>
             </a:fld>
             <a:endParaRPr lang="en-IN"/>
           </a:p>
@@ -1295,7 +1295,7 @@
           <a:p>
             <a:fld id="{51C3D46B-08F1-44F2-8B38-D916BA5C2161}" type="datetimeFigureOut">
               <a:rPr lang="en-IN" smtClean="0"/>
-              <a:t>23-08-2019</a:t>
+              <a:t>11-11-2019</a:t>
             </a:fld>
             <a:endParaRPr lang="en-IN"/>
           </a:p>
@@ -1495,7 +1495,7 @@
           <a:p>
             <a:fld id="{51C3D46B-08F1-44F2-8B38-D916BA5C2161}" type="datetimeFigureOut">
               <a:rPr lang="en-IN" smtClean="0"/>
-              <a:t>23-08-2019</a:t>
+              <a:t>11-11-2019</a:t>
             </a:fld>
             <a:endParaRPr lang="en-IN"/>
           </a:p>
@@ -1771,7 +1771,7 @@
           <a:p>
             <a:fld id="{51C3D46B-08F1-44F2-8B38-D916BA5C2161}" type="datetimeFigureOut">
               <a:rPr lang="en-IN" smtClean="0"/>
-              <a:t>23-08-2019</a:t>
+              <a:t>11-11-2019</a:t>
             </a:fld>
             <a:endParaRPr lang="en-IN"/>
           </a:p>
@@ -2039,7 +2039,7 @@
           <a:p>
             <a:fld id="{51C3D46B-08F1-44F2-8B38-D916BA5C2161}" type="datetimeFigureOut">
               <a:rPr lang="en-IN" smtClean="0"/>
-              <a:t>23-08-2019</a:t>
+              <a:t>11-11-2019</a:t>
             </a:fld>
             <a:endParaRPr lang="en-IN"/>
           </a:p>
@@ -2454,7 +2454,7 @@
           <a:p>
             <a:fld id="{51C3D46B-08F1-44F2-8B38-D916BA5C2161}" type="datetimeFigureOut">
               <a:rPr lang="en-IN" smtClean="0"/>
-              <a:t>23-08-2019</a:t>
+              <a:t>11-11-2019</a:t>
             </a:fld>
             <a:endParaRPr lang="en-IN"/>
           </a:p>
@@ -2596,7 +2596,7 @@
           <a:p>
             <a:fld id="{51C3D46B-08F1-44F2-8B38-D916BA5C2161}" type="datetimeFigureOut">
               <a:rPr lang="en-IN" smtClean="0"/>
-              <a:t>23-08-2019</a:t>
+              <a:t>11-11-2019</a:t>
             </a:fld>
             <a:endParaRPr lang="en-IN"/>
           </a:p>
@@ -2709,7 +2709,7 @@
           <a:p>
             <a:fld id="{51C3D46B-08F1-44F2-8B38-D916BA5C2161}" type="datetimeFigureOut">
               <a:rPr lang="en-IN" smtClean="0"/>
-              <a:t>23-08-2019</a:t>
+              <a:t>11-11-2019</a:t>
             </a:fld>
             <a:endParaRPr lang="en-IN"/>
           </a:p>
@@ -3022,7 +3022,7 @@
           <a:p>
             <a:fld id="{51C3D46B-08F1-44F2-8B38-D916BA5C2161}" type="datetimeFigureOut">
               <a:rPr lang="en-IN" smtClean="0"/>
-              <a:t>23-08-2019</a:t>
+              <a:t>11-11-2019</a:t>
             </a:fld>
             <a:endParaRPr lang="en-IN"/>
           </a:p>
@@ -3311,7 +3311,7 @@
           <a:p>
             <a:fld id="{51C3D46B-08F1-44F2-8B38-D916BA5C2161}" type="datetimeFigureOut">
               <a:rPr lang="en-IN" smtClean="0"/>
-              <a:t>23-08-2019</a:t>
+              <a:t>11-11-2019</a:t>
             </a:fld>
             <a:endParaRPr lang="en-IN"/>
           </a:p>
@@ -3554,7 +3554,7 @@
           <a:p>
             <a:fld id="{51C3D46B-08F1-44F2-8B38-D916BA5C2161}" type="datetimeFigureOut">
               <a:rPr lang="en-IN" smtClean="0"/>
-              <a:t>23-08-2019</a:t>
+              <a:t>11-11-2019</a:t>
             </a:fld>
             <a:endParaRPr lang="en-IN"/>
           </a:p>
@@ -4762,7 +4762,7 @@
                   <a:schemeClr val="tx1"/>
                 </a:solidFill>
               </a:rPr>
-              <a:t>E</a:t>
+              <a:t>C</a:t>
             </a:r>
           </a:p>
         </p:txBody>
@@ -4818,7 +4818,7 @@
                   <a:schemeClr val="tx1"/>
                 </a:solidFill>
               </a:rPr>
-              <a:t>E</a:t>
+              <a:t>C</a:t>
             </a:r>
           </a:p>
         </p:txBody>
@@ -4874,7 +4874,7 @@
                   <a:schemeClr val="tx1"/>
                 </a:solidFill>
               </a:rPr>
-              <a:t>E</a:t>
+              <a:t>C</a:t>
             </a:r>
           </a:p>
         </p:txBody>
@@ -5030,6 +5030,13 @@
               <a:t>Master</a:t>
             </a:r>
           </a:p>
+          <a:p>
+            <a:pPr algn="ctr"/>
+            <a:r>
+              <a:rPr lang="en-IN" dirty="0"/>
+              <a:t>(K8S)</a:t>
+            </a:r>
+          </a:p>
         </p:txBody>
       </p:sp>
       <p:sp>
@@ -5080,6 +5087,161 @@
             <a:r>
               <a:rPr lang="en-IN" dirty="0"/>
               <a:t>I</a:t>
+            </a:r>
+          </a:p>
+        </p:txBody>
+      </p:sp>
+      <p:sp>
+        <p:nvSpPr>
+          <p:cNvPr id="5" name="Rectangle 4">
+            <a:extLst>
+              <a:ext uri="{FF2B5EF4-FFF2-40B4-BE49-F238E27FC236}">
+                <a16:creationId xmlns:a16="http://schemas.microsoft.com/office/drawing/2014/main" id="{09EEB862-EE0D-48A7-BDE4-779DD9844C31}"/>
+              </a:ext>
+            </a:extLst>
+          </p:cNvPr>
+          <p:cNvSpPr/>
+          <p:nvPr/>
+        </p:nvSpPr>
+        <p:spPr>
+          <a:xfrm>
+            <a:off x="10631054" y="3111211"/>
+            <a:ext cx="1560946" cy="1415038"/>
+          </a:xfrm>
+          <a:prstGeom prst="rect">
+            <a:avLst/>
+          </a:prstGeom>
+        </p:spPr>
+        <p:style>
+          <a:lnRef idx="2">
+            <a:schemeClr val="accent1">
+              <a:shade val="50000"/>
+            </a:schemeClr>
+          </a:lnRef>
+          <a:fillRef idx="1">
+            <a:schemeClr val="accent1"/>
+          </a:fillRef>
+          <a:effectRef idx="0">
+            <a:schemeClr val="accent1"/>
+          </a:effectRef>
+          <a:fontRef idx="minor">
+            <a:schemeClr val="lt1"/>
+          </a:fontRef>
+        </p:style>
+        <p:txBody>
+          <a:bodyPr rtlCol="0" anchor="ctr"/>
+          <a:lstStyle/>
+          <a:p>
+            <a:pPr algn="ctr"/>
+            <a:r>
+              <a:rPr lang="en-IN" dirty="0"/>
+              <a:t>Client Machine</a:t>
+            </a:r>
+          </a:p>
+          <a:p>
+            <a:pPr algn="ctr"/>
+            <a:r>
+              <a:rPr lang="en-IN" dirty="0"/>
+              <a:t>(kubectl.exe)</a:t>
+            </a:r>
+          </a:p>
+        </p:txBody>
+      </p:sp>
+      <p:cxnSp>
+        <p:nvCxnSpPr>
+          <p:cNvPr id="7" name="Straight Arrow Connector 6">
+            <a:extLst>
+              <a:ext uri="{FF2B5EF4-FFF2-40B4-BE49-F238E27FC236}">
+                <a16:creationId xmlns:a16="http://schemas.microsoft.com/office/drawing/2014/main" id="{BBBBADB6-A762-4299-8547-5598C4E43EE6}"/>
+              </a:ext>
+            </a:extLst>
+          </p:cNvPr>
+          <p:cNvCxnSpPr>
+            <a:cxnSpLocks/>
+            <a:stCxn id="5" idx="1"/>
+            <a:endCxn id="52" idx="3"/>
+          </p:cNvCxnSpPr>
+          <p:nvPr/>
+        </p:nvCxnSpPr>
+        <p:spPr>
+          <a:xfrm flipH="1" flipV="1">
+            <a:off x="6534726" y="3809999"/>
+            <a:ext cx="4096328" cy="8731"/>
+          </a:xfrm>
+          <a:prstGeom prst="straightConnector1">
+            <a:avLst/>
+          </a:prstGeom>
+          <a:ln>
+            <a:tailEnd type="triangle"/>
+          </a:ln>
+        </p:spPr>
+        <p:style>
+          <a:lnRef idx="1">
+            <a:schemeClr val="accent1"/>
+          </a:lnRef>
+          <a:fillRef idx="0">
+            <a:schemeClr val="accent1"/>
+          </a:fillRef>
+          <a:effectRef idx="0">
+            <a:schemeClr val="accent1"/>
+          </a:effectRef>
+          <a:fontRef idx="minor">
+            <a:schemeClr val="tx1"/>
+          </a:fontRef>
+        </p:style>
+      </p:cxnSp>
+      <p:sp>
+        <p:nvSpPr>
+          <p:cNvPr id="11" name="Flowchart: Punched Tape 10">
+            <a:extLst>
+              <a:ext uri="{FF2B5EF4-FFF2-40B4-BE49-F238E27FC236}">
+                <a16:creationId xmlns:a16="http://schemas.microsoft.com/office/drawing/2014/main" id="{7AFB5341-B9EA-4E0E-8A6B-911498AF5CEB}"/>
+              </a:ext>
+            </a:extLst>
+          </p:cNvPr>
+          <p:cNvSpPr/>
+          <p:nvPr/>
+        </p:nvSpPr>
+        <p:spPr>
+          <a:xfrm>
+            <a:off x="9504219" y="2833254"/>
+            <a:ext cx="830406" cy="833871"/>
+          </a:xfrm>
+          <a:prstGeom prst="flowChartPunchedTape">
+            <a:avLst/>
+          </a:prstGeom>
+        </p:spPr>
+        <p:style>
+          <a:lnRef idx="2">
+            <a:schemeClr val="accent1">
+              <a:shade val="50000"/>
+            </a:schemeClr>
+          </a:lnRef>
+          <a:fillRef idx="1">
+            <a:schemeClr val="accent1"/>
+          </a:fillRef>
+          <a:effectRef idx="0">
+            <a:schemeClr val="accent1"/>
+          </a:effectRef>
+          <a:fontRef idx="minor">
+            <a:schemeClr val="lt1"/>
+          </a:fontRef>
+        </p:style>
+        <p:txBody>
+          <a:bodyPr rtlCol="0" anchor="ctr"/>
+          <a:lstStyle/>
+          <a:p>
+            <a:pPr algn="ctr"/>
+            <a:r>
+              <a:rPr lang="en-IN" dirty="0"/>
+              <a:t>JSON/</a:t>
+            </a:r>
+          </a:p>
+          <a:p>
+            <a:pPr algn="ctr"/>
+            <a:r>
+              <a:rPr lang="en-IN" dirty="0"/>
+              <a:t>YAML</a:t>
             </a:r>
           </a:p>
         </p:txBody>
@@ -5604,7 +5766,7 @@
                   <a:schemeClr val="tx1"/>
                 </a:solidFill>
               </a:rPr>
-              <a:t>E</a:t>
+              <a:t>C</a:t>
             </a:r>
           </a:p>
         </p:txBody>
@@ -5660,7 +5822,7 @@
                   <a:schemeClr val="tx1"/>
                 </a:solidFill>
               </a:rPr>
-              <a:t>E</a:t>
+              <a:t>C</a:t>
             </a:r>
           </a:p>
         </p:txBody>
@@ -5716,7 +5878,7 @@
                   <a:schemeClr val="tx1"/>
                 </a:solidFill>
               </a:rPr>
-              <a:t>E</a:t>
+              <a:t>C</a:t>
             </a:r>
           </a:p>
         </p:txBody>
@@ -6264,7 +6426,7 @@
         </p:nvSpPr>
         <p:spPr>
           <a:xfrm>
-            <a:off x="3652982" y="4386042"/>
+            <a:off x="2223655" y="4822525"/>
             <a:ext cx="1297708" cy="432022"/>
           </a:xfrm>
           <a:prstGeom prst="rect">
@@ -6593,7 +6755,7 @@
             <a:pPr algn="ctr"/>
             <a:r>
               <a:rPr lang="en-IN" dirty="0"/>
-              <a:t>E3</a:t>
+              <a:t>C3</a:t>
             </a:r>
           </a:p>
         </p:txBody>
@@ -6752,7 +6914,7 @@
             <a:pPr algn="ctr"/>
             <a:r>
               <a:rPr lang="en-IN" dirty="0"/>
-              <a:t>E2</a:t>
+              <a:t>C2</a:t>
             </a:r>
           </a:p>
         </p:txBody>
@@ -7140,7 +7302,7 @@
             <a:pPr algn="ctr"/>
             <a:r>
               <a:rPr lang="en-IN" dirty="0" err="1"/>
-              <a:t>EventSvc</a:t>
+              <a:t>CatalogSvc</a:t>
             </a:r>
             <a:endParaRPr lang="en-IN" dirty="0"/>
           </a:p>
@@ -7422,8 +7584,13 @@
           <a:p>
             <a:r>
               <a:rPr lang="en-IN" dirty="0"/>
-              <a:t>App=Event</a:t>
-            </a:r>
+              <a:t>App=</a:t>
+            </a:r>
+            <a:r>
+              <a:rPr lang="en-IN" dirty="0" err="1"/>
+              <a:t>Catalog</a:t>
+            </a:r>
+            <a:endParaRPr lang="en-IN" dirty="0"/>
           </a:p>
           <a:p>
             <a:r>
@@ -7463,8 +7630,13 @@
           <a:p>
             <a:r>
               <a:rPr lang="en-IN" dirty="0"/>
-              <a:t>App=Event</a:t>
-            </a:r>
+              <a:t>App=</a:t>
+            </a:r>
+            <a:r>
+              <a:rPr lang="en-IN" dirty="0" err="1"/>
+              <a:t>Catalog</a:t>
+            </a:r>
+            <a:endParaRPr lang="en-IN" dirty="0"/>
           </a:p>
           <a:p>
             <a:r>
@@ -7609,8 +7781,13 @@
           <a:p>
             <a:r>
               <a:rPr lang="en-IN" dirty="0"/>
-              <a:t>App=Event2</a:t>
-            </a:r>
+              <a:t>App=</a:t>
+            </a:r>
+            <a:r>
+              <a:rPr lang="en-IN" dirty="0" err="1"/>
+              <a:t>Catalog</a:t>
+            </a:r>
+            <a:endParaRPr lang="en-IN" dirty="0"/>
           </a:p>
           <a:p>
             <a:r>
@@ -7729,7 +7906,7 @@
         </p:nvSpPr>
         <p:spPr>
           <a:xfrm>
-            <a:off x="6077421" y="3578921"/>
+            <a:off x="6183746" y="3787031"/>
             <a:ext cx="1579418" cy="369332"/>
           </a:xfrm>
           <a:prstGeom prst="rect">
@@ -7746,6 +7923,76 @@
             <a:r>
               <a:rPr lang="en-IN" dirty="0"/>
               <a:t>App=Identity</a:t>
+            </a:r>
+          </a:p>
+        </p:txBody>
+      </p:sp>
+      <p:sp>
+        <p:nvSpPr>
+          <p:cNvPr id="12" name="TextBox 11">
+            <a:extLst>
+              <a:ext uri="{FF2B5EF4-FFF2-40B4-BE49-F238E27FC236}">
+                <a16:creationId xmlns:a16="http://schemas.microsoft.com/office/drawing/2014/main" id="{5D08EB04-0E23-4D38-AA15-26BADE49D82F}"/>
+              </a:ext>
+            </a:extLst>
+          </p:cNvPr>
+          <p:cNvSpPr txBox="1"/>
+          <p:nvPr/>
+        </p:nvSpPr>
+        <p:spPr>
+          <a:xfrm>
+            <a:off x="5264727" y="4576617"/>
+            <a:ext cx="757382" cy="369332"/>
+          </a:xfrm>
+          <a:prstGeom prst="rect">
+            <a:avLst/>
+          </a:prstGeom>
+          <a:noFill/>
+        </p:spPr>
+        <p:txBody>
+          <a:bodyPr wrap="square" rtlCol="0">
+            <a:spAutoFit/>
+          </a:bodyPr>
+          <a:lstStyle/>
+          <a:p>
+            <a:r>
+              <a:rPr lang="en-IN" dirty="0"/>
+              <a:t>5600</a:t>
+            </a:r>
+          </a:p>
+        </p:txBody>
+      </p:sp>
+      <p:sp>
+        <p:nvSpPr>
+          <p:cNvPr id="14" name="TextBox 13">
+            <a:extLst>
+              <a:ext uri="{FF2B5EF4-FFF2-40B4-BE49-F238E27FC236}">
+                <a16:creationId xmlns:a16="http://schemas.microsoft.com/office/drawing/2014/main" id="{E22EE5D5-44C4-4280-BFFB-D0BCA7251AB3}"/>
+              </a:ext>
+            </a:extLst>
+          </p:cNvPr>
+          <p:cNvSpPr txBox="1"/>
+          <p:nvPr/>
+        </p:nvSpPr>
+        <p:spPr>
+          <a:xfrm>
+            <a:off x="7615384" y="4525879"/>
+            <a:ext cx="822035" cy="369332"/>
+          </a:xfrm>
+          <a:prstGeom prst="rect">
+            <a:avLst/>
+          </a:prstGeom>
+          <a:noFill/>
+        </p:spPr>
+        <p:txBody>
+          <a:bodyPr wrap="square" rtlCol="0">
+            <a:spAutoFit/>
+          </a:bodyPr>
+          <a:lstStyle/>
+          <a:p>
+            <a:r>
+              <a:rPr lang="en-IN" dirty="0"/>
+              <a:t>80</a:t>
             </a:r>
           </a:p>
         </p:txBody>
@@ -13163,7 +13410,7 @@
         </p:blipFill>
         <p:spPr>
           <a:xfrm>
-            <a:off x="1948494" y="270661"/>
+            <a:off x="1893725" y="386536"/>
             <a:ext cx="585789" cy="585789"/>
           </a:xfrm>
           <a:prstGeom prst="rect">
@@ -13300,7 +13547,7 @@
         </p:blipFill>
         <p:spPr>
           <a:xfrm>
-            <a:off x="1850347" y="3638638"/>
+            <a:off x="1850347" y="3676738"/>
             <a:ext cx="723900" cy="723900"/>
           </a:xfrm>
           <a:prstGeom prst="rect">
@@ -13726,8 +13973,8 @@
         </p:nvCxnSpPr>
         <p:spPr>
           <a:xfrm>
-            <a:off x="2534283" y="563556"/>
-            <a:ext cx="2834869" cy="2842353"/>
+            <a:off x="2479514" y="679431"/>
+            <a:ext cx="2889638" cy="2726478"/>
           </a:xfrm>
           <a:prstGeom prst="straightConnector1">
             <a:avLst/>
@@ -13857,7 +14104,7 @@
         <p:spPr>
           <a:xfrm flipV="1">
             <a:off x="2574247" y="3405909"/>
-            <a:ext cx="2794905" cy="594679"/>
+            <a:ext cx="2794905" cy="632779"/>
           </a:xfrm>
           <a:prstGeom prst="straightConnector1">
             <a:avLst/>
